--- a/presentations/Bài 15_Java Collection Framework.pptx
+++ b/presentations/Bài 15_Java Collection Framework.pptx
@@ -5,7 +5,7 @@
     <p:sldMasterId id="2147483659" r:id="rId1"/>
   </p:sldMasterIdLst>
   <p:notesMasterIdLst>
-    <p:notesMasterId r:id="rId46"/>
+    <p:notesMasterId r:id="rId47"/>
   </p:notesMasterIdLst>
   <p:sldIdLst>
     <p:sldId id="256" r:id="rId2"/>
@@ -52,20 +52,21 @@
     <p:sldId id="325" r:id="rId43"/>
     <p:sldId id="326" r:id="rId44"/>
     <p:sldId id="327" r:id="rId45"/>
+    <p:sldId id="346" r:id="rId46"/>
   </p:sldIdLst>
   <p:sldSz cx="9144000" cy="5143500" type="screen16x9"/>
   <p:notesSz cx="6858000" cy="9144000"/>
   <p:embeddedFontLst>
     <p:embeddedFont>
       <p:font typeface="Alfa Slab One" panose="020B0604020202020204" charset="0"/>
-      <p:regular r:id="rId47"/>
+      <p:regular r:id="rId48"/>
     </p:embeddedFont>
     <p:embeddedFont>
       <p:font typeface="Proxima Nova" panose="020B0604020202020204" charset="0"/>
-      <p:regular r:id="rId48"/>
-      <p:bold r:id="rId49"/>
-      <p:italic r:id="rId50"/>
-      <p:boldItalic r:id="rId51"/>
+      <p:regular r:id="rId49"/>
+      <p:bold r:id="rId50"/>
+      <p:italic r:id="rId51"/>
+      <p:boldItalic r:id="rId52"/>
     </p:embeddedFont>
   </p:embeddedFontLst>
   <p:defaultTextStyle>
@@ -6064,6 +6065,270 @@
 </p:sldLayout>
 </file>
 
+<file path=ppt/slideLayouts/slideLayout11.xml><?xml version="1.0" encoding="utf-8"?>
+<p:sldLayout xmlns:a="http://schemas.openxmlformats.org/drawingml/2006/main" xmlns:r="http://schemas.openxmlformats.org/officeDocument/2006/relationships" xmlns:p="http://schemas.openxmlformats.org/presentationml/2006/main" matchingName="Title only" type="titleOnly">
+  <p:cSld name="Title only">
+    <p:spTree>
+      <p:nvGrpSpPr>
+        <p:cNvPr id="1" name="Shape 29"/>
+        <p:cNvGrpSpPr/>
+        <p:nvPr/>
+      </p:nvGrpSpPr>
+      <p:grpSpPr>
+        <a:xfrm>
+          <a:off x="0" y="0"/>
+          <a:ext cx="0" cy="0"/>
+          <a:chOff x="0" y="0"/>
+          <a:chExt cx="0" cy="0"/>
+        </a:xfrm>
+      </p:grpSpPr>
+      <p:sp>
+        <p:nvSpPr>
+          <p:cNvPr id="30" name="Google Shape;30;p6"/>
+          <p:cNvSpPr txBox="1">
+            <a:spLocks noGrp="1"/>
+          </p:cNvSpPr>
+          <p:nvPr>
+            <p:ph type="title"/>
+          </p:nvPr>
+        </p:nvSpPr>
+        <p:spPr>
+          <a:xfrm>
+            <a:off x="311700" y="445025"/>
+            <a:ext cx="8520600" cy="572700"/>
+          </a:xfrm>
+          <a:prstGeom prst="rect">
+            <a:avLst/>
+          </a:prstGeom>
+        </p:spPr>
+        <p:txBody>
+          <a:bodyPr spcFirstLastPara="1" wrap="square" lIns="91425" tIns="91425" rIns="91425" bIns="91425" anchor="t" anchorCtr="0">
+            <a:normAutofit/>
+          </a:bodyPr>
+          <a:lstStyle>
+            <a:lvl1pPr lvl="0">
+              <a:spcBef>
+                <a:spcPts val="0"/>
+              </a:spcBef>
+              <a:spcAft>
+                <a:spcPts val="0"/>
+              </a:spcAft>
+              <a:buSzPts val="3000"/>
+              <a:buNone/>
+              <a:defRPr/>
+            </a:lvl1pPr>
+            <a:lvl2pPr lvl="1">
+              <a:spcBef>
+                <a:spcPts val="0"/>
+              </a:spcBef>
+              <a:spcAft>
+                <a:spcPts val="0"/>
+              </a:spcAft>
+              <a:buSzPts val="3000"/>
+              <a:buNone/>
+              <a:defRPr/>
+            </a:lvl2pPr>
+            <a:lvl3pPr lvl="2">
+              <a:spcBef>
+                <a:spcPts val="0"/>
+              </a:spcBef>
+              <a:spcAft>
+                <a:spcPts val="0"/>
+              </a:spcAft>
+              <a:buSzPts val="3000"/>
+              <a:buNone/>
+              <a:defRPr/>
+            </a:lvl3pPr>
+            <a:lvl4pPr lvl="3">
+              <a:spcBef>
+                <a:spcPts val="0"/>
+              </a:spcBef>
+              <a:spcAft>
+                <a:spcPts val="0"/>
+              </a:spcAft>
+              <a:buSzPts val="3000"/>
+              <a:buNone/>
+              <a:defRPr/>
+            </a:lvl4pPr>
+            <a:lvl5pPr lvl="4">
+              <a:spcBef>
+                <a:spcPts val="0"/>
+              </a:spcBef>
+              <a:spcAft>
+                <a:spcPts val="0"/>
+              </a:spcAft>
+              <a:buSzPts val="3000"/>
+              <a:buNone/>
+              <a:defRPr/>
+            </a:lvl5pPr>
+            <a:lvl6pPr lvl="5">
+              <a:spcBef>
+                <a:spcPts val="0"/>
+              </a:spcBef>
+              <a:spcAft>
+                <a:spcPts val="0"/>
+              </a:spcAft>
+              <a:buSzPts val="3000"/>
+              <a:buNone/>
+              <a:defRPr/>
+            </a:lvl6pPr>
+            <a:lvl7pPr lvl="6">
+              <a:spcBef>
+                <a:spcPts val="0"/>
+              </a:spcBef>
+              <a:spcAft>
+                <a:spcPts val="0"/>
+              </a:spcAft>
+              <a:buSzPts val="3000"/>
+              <a:buNone/>
+              <a:defRPr/>
+            </a:lvl7pPr>
+            <a:lvl8pPr lvl="7">
+              <a:spcBef>
+                <a:spcPts val="0"/>
+              </a:spcBef>
+              <a:spcAft>
+                <a:spcPts val="0"/>
+              </a:spcAft>
+              <a:buSzPts val="3000"/>
+              <a:buNone/>
+              <a:defRPr/>
+            </a:lvl8pPr>
+            <a:lvl9pPr lvl="8">
+              <a:spcBef>
+                <a:spcPts val="0"/>
+              </a:spcBef>
+              <a:spcAft>
+                <a:spcPts val="0"/>
+              </a:spcAft>
+              <a:buSzPts val="3000"/>
+              <a:buNone/>
+              <a:defRPr/>
+            </a:lvl9pPr>
+          </a:lstStyle>
+          <a:p>
+            <a:endParaRPr/>
+          </a:p>
+        </p:txBody>
+      </p:sp>
+      <p:sp>
+        <p:nvSpPr>
+          <p:cNvPr id="31" name="Google Shape;31;p6"/>
+          <p:cNvSpPr txBox="1">
+            <a:spLocks noGrp="1"/>
+          </p:cNvSpPr>
+          <p:nvPr>
+            <p:ph type="sldNum" idx="12"/>
+          </p:nvPr>
+        </p:nvSpPr>
+        <p:spPr>
+          <a:xfrm>
+            <a:off x="8472458" y="4663217"/>
+            <a:ext cx="548700" cy="393600"/>
+          </a:xfrm>
+          <a:prstGeom prst="rect">
+            <a:avLst/>
+          </a:prstGeom>
+        </p:spPr>
+        <p:txBody>
+          <a:bodyPr spcFirstLastPara="1" wrap="square" lIns="91425" tIns="91425" rIns="91425" bIns="91425" anchor="ctr" anchorCtr="0">
+            <a:normAutofit/>
+          </a:bodyPr>
+          <a:lstStyle>
+            <a:lvl1pPr lvl="0">
+              <a:buNone/>
+              <a:defRPr/>
+            </a:lvl1pPr>
+            <a:lvl2pPr lvl="1">
+              <a:buNone/>
+              <a:defRPr/>
+            </a:lvl2pPr>
+            <a:lvl3pPr lvl="2">
+              <a:buNone/>
+              <a:defRPr/>
+            </a:lvl3pPr>
+            <a:lvl4pPr lvl="3">
+              <a:buNone/>
+              <a:defRPr/>
+            </a:lvl4pPr>
+            <a:lvl5pPr lvl="4">
+              <a:buNone/>
+              <a:defRPr/>
+            </a:lvl5pPr>
+            <a:lvl6pPr lvl="5">
+              <a:buNone/>
+              <a:defRPr/>
+            </a:lvl6pPr>
+            <a:lvl7pPr lvl="6">
+              <a:buNone/>
+              <a:defRPr/>
+            </a:lvl7pPr>
+            <a:lvl8pPr lvl="7">
+              <a:buNone/>
+              <a:defRPr/>
+            </a:lvl8pPr>
+            <a:lvl9pPr lvl="8">
+              <a:buNone/>
+              <a:defRPr/>
+            </a:lvl9pPr>
+          </a:lstStyle>
+          <a:p>
+            <a:pPr marL="0" lvl="0" indent="0" algn="r" rtl="0">
+              <a:spcBef>
+                <a:spcPts val="0"/>
+              </a:spcBef>
+              <a:spcAft>
+                <a:spcPts val="0"/>
+              </a:spcAft>
+              <a:buNone/>
+            </a:pPr>
+            <a:fld id="{00000000-1234-1234-1234-123412341234}" type="slidenum">
+              <a:rPr lang="en"/>
+              <a:t>‹#›</a:t>
+            </a:fld>
+            <a:endParaRPr/>
+          </a:p>
+        </p:txBody>
+      </p:sp>
+      <p:cxnSp>
+        <p:nvCxnSpPr>
+          <p:cNvPr id="32" name="Google Shape;32;p6"/>
+          <p:cNvCxnSpPr/>
+          <p:nvPr/>
+        </p:nvCxnSpPr>
+        <p:spPr>
+          <a:xfrm>
+            <a:off x="397650" y="1152475"/>
+            <a:ext cx="8348700" cy="1200"/>
+          </a:xfrm>
+          <a:prstGeom prst="straightConnector1">
+            <a:avLst/>
+          </a:prstGeom>
+          <a:noFill/>
+          <a:ln w="19050" cap="flat" cmpd="sng">
+            <a:solidFill>
+              <a:srgbClr val="F48121"/>
+            </a:solidFill>
+            <a:prstDash val="solid"/>
+            <a:round/>
+            <a:headEnd type="none" w="sm" len="sm"/>
+            <a:tailEnd type="none" w="sm" len="sm"/>
+          </a:ln>
+        </p:spPr>
+      </p:cxnSp>
+    </p:spTree>
+    <p:extLst>
+      <p:ext uri="{BB962C8B-B14F-4D97-AF65-F5344CB8AC3E}">
+        <p14:creationId xmlns:p14="http://schemas.microsoft.com/office/powerpoint/2010/main" val="242178307"/>
+      </p:ext>
+    </p:extLst>
+  </p:cSld>
+  <p:clrMapOvr>
+    <a:masterClrMapping/>
+  </p:clrMapOvr>
+</p:sldLayout>
+</file>
+
 <file path=ppt/slideLayouts/slideLayout2.xml><?xml version="1.0" encoding="utf-8"?>
 <p:sldLayout xmlns:a="http://schemas.openxmlformats.org/drawingml/2006/main" xmlns:r="http://schemas.openxmlformats.org/officeDocument/2006/relationships" xmlns:p="http://schemas.openxmlformats.org/presentationml/2006/main" matchingName="Section header" type="secHead">
   <p:cSld name="SECTION_HEADER">
@@ -9996,7 +10261,7 @@
           <p:nvPr/>
         </p:nvPicPr>
         <p:blipFill>
-          <a:blip r:embed="rId12">
+          <a:blip r:embed="rId13">
             <a:alphaModFix/>
           </a:blip>
           <a:stretch>
@@ -10031,6 +10296,7 @@
     <p:sldLayoutId id="2147483656" r:id="rId8"/>
     <p:sldLayoutId id="2147483657" r:id="rId9"/>
     <p:sldLayoutId id="2147483658" r:id="rId10"/>
+    <p:sldLayoutId id="2147483660" r:id="rId11"/>
   </p:sldLayoutIdLst>
   <p:hf sldNum="0" hdr="0" ftr="0" dt="0"/>
   <p:txStyles>
@@ -15852,69 +16118,156 @@
             </a:r>
           </a:p>
           <a:p>
+            <a:pPr lvl="2"/>
             <a:r>
               <a:rPr lang="en-US"/>
-              <a:t> public static void main(String args[]){</a:t>
-            </a:r>
-          </a:p>
-          <a:p>
+              <a:t> </a:t>
+            </a:r>
+            <a:r>
+              <a:rPr lang="vi-VN"/>
+              <a:t>   </a:t>
+            </a:r>
+            <a:r>
+              <a:rPr lang="en-US"/>
+              <a:t>public static void main(String args[]){</a:t>
+            </a:r>
+          </a:p>
+          <a:p>
+            <a:pPr lvl="2"/>
             <a:r>
               <a:rPr lang="en-US"/>
               <a:t>  </a:t>
             </a:r>
           </a:p>
           <a:p>
+            <a:pPr lvl="2"/>
             <a:r>
               <a:rPr lang="en-US"/>
-              <a:t> HashSet&amp;amp;amp;lt;String&amp;amp;amp;gt; al=new HashSet(); // creating hashSet</a:t>
-            </a:r>
-          </a:p>
-          <a:p>
+              <a:t> </a:t>
+            </a:r>
+            <a:r>
+              <a:rPr lang="vi-VN"/>
+              <a:t>   HashSet&lt;String&gt;</a:t>
+            </a:r>
             <a:r>
               <a:rPr lang="en-US"/>
-              <a:t> al.add("Rachit");                 // adding elements</a:t>
-            </a:r>
-          </a:p>
-          <a:p>
+              <a:t> al=new HashSet(); // creating hashSet</a:t>
+            </a:r>
+          </a:p>
+          <a:p>
+            <a:pPr lvl="2"/>
+            <a:r>
+              <a:rPr lang="en-US"/>
+              <a:t> </a:t>
+            </a:r>
+            <a:r>
+              <a:rPr lang="vi-VN"/>
+              <a:t>   </a:t>
+            </a:r>
+            <a:r>
+              <a:rPr lang="en-US"/>
+              <a:t>al.add("Rachit");                 // adding elements</a:t>
+            </a:r>
+          </a:p>
+          <a:p>
+            <a:pPr lvl="2"/>
+            <a:r>
+              <a:rPr lang="vi-VN"/>
+              <a:t>   </a:t>
+            </a:r>
             <a:r>
               <a:rPr lang="en-US"/>
               <a:t> al.add("Amit");</a:t>
             </a:r>
           </a:p>
           <a:p>
+            <a:pPr lvl="2"/>
             <a:r>
               <a:rPr lang="en-US"/>
-              <a:t> al.add("jack");</a:t>
-            </a:r>
-          </a:p>
-          <a:p>
+              <a:t> </a:t>
+            </a:r>
+            <a:r>
+              <a:rPr lang="vi-VN"/>
+              <a:t>   </a:t>
+            </a:r>
             <a:r>
               <a:rPr lang="en-US"/>
-              <a:t> Iterator&amp;amp;amp;lt;String&amp;amp;amp;gt; itr=al.iterator();</a:t>
-            </a:r>
-          </a:p>
-          <a:p>
+              <a:t>al.add("jack");</a:t>
+            </a:r>
+          </a:p>
+          <a:p>
+            <a:pPr lvl="2"/>
             <a:r>
               <a:rPr lang="en-US"/>
-              <a:t> while(itr.hasNext()){</a:t>
-            </a:r>
-          </a:p>
-          <a:p>
+              <a:t> </a:t>
+            </a:r>
+            <a:r>
+              <a:rPr lang="vi-VN"/>
+              <a:t>   Iterator&lt;String&gt;</a:t>
+            </a:r>
             <a:r>
               <a:rPr lang="en-US"/>
-              <a:t> System.out.println(itr.next());</a:t>
-            </a:r>
-          </a:p>
-          <a:p>
+              <a:t> itr=al.iterator();</a:t>
+            </a:r>
+          </a:p>
+          <a:p>
+            <a:pPr lvl="2"/>
             <a:r>
               <a:rPr lang="en-US"/>
-              <a:t> }</a:t>
-            </a:r>
-          </a:p>
-          <a:p>
+              <a:t> </a:t>
+            </a:r>
+            <a:r>
+              <a:rPr lang="vi-VN"/>
+              <a:t>   </a:t>
+            </a:r>
             <a:r>
               <a:rPr lang="en-US"/>
-              <a:t> }</a:t>
+              <a:t>while(itr.hasNext()){</a:t>
+            </a:r>
+          </a:p>
+          <a:p>
+            <a:pPr lvl="2"/>
+            <a:r>
+              <a:rPr lang="en-US"/>
+              <a:t> </a:t>
+            </a:r>
+            <a:r>
+              <a:rPr lang="vi-VN"/>
+              <a:t>      </a:t>
+            </a:r>
+            <a:r>
+              <a:rPr lang="en-US"/>
+              <a:t>System.out.println(itr.next());</a:t>
+            </a:r>
+          </a:p>
+          <a:p>
+            <a:pPr lvl="2"/>
+            <a:r>
+              <a:rPr lang="en-US"/>
+              <a:t> </a:t>
+            </a:r>
+            <a:r>
+              <a:rPr lang="vi-VN"/>
+              <a:t>   </a:t>
+            </a:r>
+            <a:r>
+              <a:rPr lang="en-US"/>
+              <a:t>}</a:t>
+            </a:r>
+          </a:p>
+          <a:p>
+            <a:pPr lvl="2"/>
+            <a:r>
+              <a:rPr lang="en-US"/>
+              <a:t> </a:t>
+            </a:r>
+            <a:r>
+              <a:rPr lang="vi-VN"/>
+              <a:t>   </a:t>
+            </a:r>
+            <a:r>
+              <a:rPr lang="en-US"/>
+              <a:t>}</a:t>
             </a:r>
           </a:p>
           <a:p>
@@ -16263,7 +16616,7 @@
         <p:spPr>
           <a:xfrm>
             <a:off x="817926" y="1597130"/>
-            <a:ext cx="7906623" cy="3108543"/>
+            <a:ext cx="7906623" cy="2893100"/>
           </a:xfrm>
           <a:prstGeom prst="rect">
             <a:avLst/>
@@ -16295,8 +16648,20 @@
           </a:p>
           <a:p>
             <a:r>
+              <a:rPr lang="vi-VN"/>
+              <a:t>TreeSet&lt;String&gt;</a:t>
+            </a:r>
+            <a:r>
               <a:rPr lang="en-US"/>
-              <a:t>TreeSet&amp;amp;amp;lt;String&amp;amp;amp;gt; al=new TreeSet&amp;amp;amp;lt;String&amp;amp;amp;gt;();  // creating treeSet</a:t>
+              <a:t> al=new </a:t>
+            </a:r>
+            <a:r>
+              <a:rPr lang="vi-VN"/>
+              <a:t>TreeSet&lt;String&gt;</a:t>
+            </a:r>
+            <a:r>
+              <a:rPr lang="en-US"/>
+              <a:t>();  // creating treeSet</a:t>
             </a:r>
           </a:p>
           <a:p>
@@ -16319,8 +16684,12 @@
           </a:p>
           <a:p>
             <a:r>
+              <a:rPr lang="vi-VN"/>
+              <a:t>Iterator&lt;String&gt;</a:t>
+            </a:r>
+            <a:r>
               <a:rPr lang="en-US"/>
-              <a:t>Iterator&amp;amp;amp;lt;String&amp;amp;amp;gt; itr=al.iterator();</a:t>
+              <a:t> itr=al.iterator();</a:t>
             </a:r>
           </a:p>
           <a:p>
@@ -17361,6 +17730,110 @@
     <p:extLst>
       <p:ext uri="{BB962C8B-B14F-4D97-AF65-F5344CB8AC3E}">
         <p14:creationId xmlns:p14="http://schemas.microsoft.com/office/powerpoint/2010/main" val="2536824274"/>
+      </p:ext>
+    </p:extLst>
+  </p:cSld>
+  <p:clrMapOvr>
+    <a:masterClrMapping/>
+  </p:clrMapOvr>
+</p:sld>
+</file>
+
+<file path=ppt/slides/slide45.xml><?xml version="1.0" encoding="utf-8"?>
+<p:sld xmlns:a="http://schemas.openxmlformats.org/drawingml/2006/main" xmlns:r="http://schemas.openxmlformats.org/officeDocument/2006/relationships" xmlns:p="http://schemas.openxmlformats.org/presentationml/2006/main">
+  <p:cSld>
+    <p:spTree>
+      <p:nvGrpSpPr>
+        <p:cNvPr id="1" name=""/>
+        <p:cNvGrpSpPr/>
+        <p:nvPr/>
+      </p:nvGrpSpPr>
+      <p:grpSpPr>
+        <a:xfrm>
+          <a:off x="0" y="0"/>
+          <a:ext cx="0" cy="0"/>
+          <a:chOff x="0" y="0"/>
+          <a:chExt cx="0" cy="0"/>
+        </a:xfrm>
+      </p:grpSpPr>
+      <p:sp>
+        <p:nvSpPr>
+          <p:cNvPr id="2" name="Title 1">
+            <a:extLst>
+              <a:ext uri="{FF2B5EF4-FFF2-40B4-BE49-F238E27FC236}">
+                <a16:creationId xmlns:a16="http://schemas.microsoft.com/office/drawing/2014/main" id="{CF6D12E1-FBF4-CDF1-B80D-910C581441FA}"/>
+              </a:ext>
+            </a:extLst>
+          </p:cNvPr>
+          <p:cNvSpPr>
+            <a:spLocks noGrp="1"/>
+          </p:cNvSpPr>
+          <p:nvPr>
+            <p:ph type="title"/>
+          </p:nvPr>
+        </p:nvSpPr>
+        <p:spPr/>
+        <p:txBody>
+          <a:bodyPr>
+            <a:normAutofit fontScale="90000"/>
+          </a:bodyPr>
+          <a:lstStyle/>
+          <a:p>
+            <a:endParaRPr lang="en-US"/>
+          </a:p>
+        </p:txBody>
+      </p:sp>
+      <p:pic>
+        <p:nvPicPr>
+          <p:cNvPr id="2050" name="Picture 2">
+            <a:extLst>
+              <a:ext uri="{FF2B5EF4-FFF2-40B4-BE49-F238E27FC236}">
+                <a16:creationId xmlns:a16="http://schemas.microsoft.com/office/drawing/2014/main" id="{DEF02AC6-78FC-B7BC-B1CC-891990A6FE59}"/>
+              </a:ext>
+            </a:extLst>
+          </p:cNvPr>
+          <p:cNvPicPr>
+            <a:picLocks noChangeAspect="1" noChangeArrowheads="1"/>
+          </p:cNvPicPr>
+          <p:nvPr/>
+        </p:nvPicPr>
+        <p:blipFill>
+          <a:blip r:embed="rId2">
+            <a:extLst>
+              <a:ext uri="{28A0092B-C50C-407E-A947-70E740481C1C}">
+                <a14:useLocalDpi xmlns:a14="http://schemas.microsoft.com/office/drawing/2010/main" val="0"/>
+              </a:ext>
+            </a:extLst>
+          </a:blip>
+          <a:srcRect/>
+          <a:stretch>
+            <a:fillRect/>
+          </a:stretch>
+        </p:blipFill>
+        <p:spPr bwMode="auto">
+          <a:xfrm>
+            <a:off x="0" y="0"/>
+            <a:ext cx="9144000" cy="5143500"/>
+          </a:xfrm>
+          <a:prstGeom prst="rect">
+            <a:avLst/>
+          </a:prstGeom>
+          <a:noFill/>
+          <a:extLst>
+            <a:ext uri="{909E8E84-426E-40DD-AFC4-6F175D3DCCD1}">
+              <a14:hiddenFill xmlns:a14="http://schemas.microsoft.com/office/drawing/2010/main">
+                <a:solidFill>
+                  <a:srgbClr val="FFFFFF"/>
+                </a:solidFill>
+              </a14:hiddenFill>
+            </a:ext>
+          </a:extLst>
+        </p:spPr>
+      </p:pic>
+    </p:spTree>
+    <p:extLst>
+      <p:ext uri="{BB962C8B-B14F-4D97-AF65-F5344CB8AC3E}">
+        <p14:creationId xmlns:p14="http://schemas.microsoft.com/office/powerpoint/2010/main" val="1171021255"/>
       </p:ext>
     </p:extLst>
   </p:cSld>
